--- a/make_build.pptx
+++ b/make_build.pptx
@@ -6,6 +6,8 @@
   </p:sldMasterIdLst>
   <p:sldIdLst>
     <p:sldId id="256" r:id="rId2"/>
+    <p:sldId id="257" r:id="rId3"/>
+    <p:sldId id="258" r:id="rId4"/>
   </p:sldIdLst>
   <p:sldSz cx="12192000" cy="6858000"/>
   <p:notesSz cx="6858000" cy="9144000"/>
@@ -104,6 +106,11 @@
       </a:defRPr>
     </a:lvl9pPr>
   </p:defaultTextStyle>
+  <p:extLst>
+    <p:ext uri="{EFAFB233-063F-42B5-8137-9DF3F51BA10A}">
+      <p15:sldGuideLst xmlns:p15="http://schemas.microsoft.com/office/powerpoint/2012/main"/>
+    </p:ext>
+  </p:extLst>
 </p:presentation>
 </file>
 
@@ -238,7 +245,7 @@
           <a:p>
             <a:fld id="{0C41729E-91D4-4AE7-9595-5C484D371A0E}" type="datetimeFigureOut">
               <a:rPr lang="en-US" smtClean="0"/>
-              <a:t>4/2/2020</a:t>
+              <a:t>4/3/2020</a:t>
             </a:fld>
             <a:endParaRPr lang="en-US"/>
           </a:p>
@@ -408,7 +415,7 @@
           <a:p>
             <a:fld id="{0C41729E-91D4-4AE7-9595-5C484D371A0E}" type="datetimeFigureOut">
               <a:rPr lang="en-US" smtClean="0"/>
-              <a:t>4/2/2020</a:t>
+              <a:t>4/3/2020</a:t>
             </a:fld>
             <a:endParaRPr lang="en-US"/>
           </a:p>
@@ -588,7 +595,7 @@
           <a:p>
             <a:fld id="{0C41729E-91D4-4AE7-9595-5C484D371A0E}" type="datetimeFigureOut">
               <a:rPr lang="en-US" smtClean="0"/>
-              <a:t>4/2/2020</a:t>
+              <a:t>4/3/2020</a:t>
             </a:fld>
             <a:endParaRPr lang="en-US"/>
           </a:p>
@@ -758,7 +765,7 @@
           <a:p>
             <a:fld id="{0C41729E-91D4-4AE7-9595-5C484D371A0E}" type="datetimeFigureOut">
               <a:rPr lang="en-US" smtClean="0"/>
-              <a:t>4/2/2020</a:t>
+              <a:t>4/3/2020</a:t>
             </a:fld>
             <a:endParaRPr lang="en-US"/>
           </a:p>
@@ -1004,7 +1011,7 @@
           <a:p>
             <a:fld id="{0C41729E-91D4-4AE7-9595-5C484D371A0E}" type="datetimeFigureOut">
               <a:rPr lang="en-US" smtClean="0"/>
-              <a:t>4/2/2020</a:t>
+              <a:t>4/3/2020</a:t>
             </a:fld>
             <a:endParaRPr lang="en-US"/>
           </a:p>
@@ -1236,7 +1243,7 @@
           <a:p>
             <a:fld id="{0C41729E-91D4-4AE7-9595-5C484D371A0E}" type="datetimeFigureOut">
               <a:rPr lang="en-US" smtClean="0"/>
-              <a:t>4/2/2020</a:t>
+              <a:t>4/3/2020</a:t>
             </a:fld>
             <a:endParaRPr lang="en-US"/>
           </a:p>
@@ -1603,7 +1610,7 @@
           <a:p>
             <a:fld id="{0C41729E-91D4-4AE7-9595-5C484D371A0E}" type="datetimeFigureOut">
               <a:rPr lang="en-US" smtClean="0"/>
-              <a:t>4/2/2020</a:t>
+              <a:t>4/3/2020</a:t>
             </a:fld>
             <a:endParaRPr lang="en-US"/>
           </a:p>
@@ -1721,7 +1728,7 @@
           <a:p>
             <a:fld id="{0C41729E-91D4-4AE7-9595-5C484D371A0E}" type="datetimeFigureOut">
               <a:rPr lang="en-US" smtClean="0"/>
-              <a:t>4/2/2020</a:t>
+              <a:t>4/3/2020</a:t>
             </a:fld>
             <a:endParaRPr lang="en-US"/>
           </a:p>
@@ -1816,7 +1823,7 @@
           <a:p>
             <a:fld id="{0C41729E-91D4-4AE7-9595-5C484D371A0E}" type="datetimeFigureOut">
               <a:rPr lang="en-US" smtClean="0"/>
-              <a:t>4/2/2020</a:t>
+              <a:t>4/3/2020</a:t>
             </a:fld>
             <a:endParaRPr lang="en-US"/>
           </a:p>
@@ -2093,7 +2100,7 @@
           <a:p>
             <a:fld id="{0C41729E-91D4-4AE7-9595-5C484D371A0E}" type="datetimeFigureOut">
               <a:rPr lang="en-US" smtClean="0"/>
-              <a:t>4/2/2020</a:t>
+              <a:t>4/3/2020</a:t>
             </a:fld>
             <a:endParaRPr lang="en-US"/>
           </a:p>
@@ -2346,7 +2353,7 @@
           <a:p>
             <a:fld id="{0C41729E-91D4-4AE7-9595-5C484D371A0E}" type="datetimeFigureOut">
               <a:rPr lang="en-US" smtClean="0"/>
-              <a:t>4/2/2020</a:t>
+              <a:t>4/3/2020</a:t>
             </a:fld>
             <a:endParaRPr lang="en-US"/>
           </a:p>
@@ -2559,7 +2566,7 @@
           <a:p>
             <a:fld id="{0C41729E-91D4-4AE7-9595-5C484D371A0E}" type="datetimeFigureOut">
               <a:rPr lang="en-US" smtClean="0"/>
-              <a:t>4/2/2020</a:t>
+              <a:t>4/3/2020</a:t>
             </a:fld>
             <a:endParaRPr lang="en-US"/>
           </a:p>
@@ -2980,10 +2987,10 @@
           <a:lstStyle/>
           <a:p>
             <a:r>
-              <a:rPr lang="en-US" smtClean="0"/>
+              <a:rPr lang="en-US" b="1" dirty="0" smtClean="0"/>
               <a:t>MAKE</a:t>
             </a:r>
-            <a:endParaRPr lang="en-US"/>
+            <a:endParaRPr lang="en-US" b="1" dirty="0"/>
           </a:p>
         </p:txBody>
       </p:sp>
@@ -3002,7 +3009,11 @@
           <a:bodyPr/>
           <a:lstStyle/>
           <a:p>
-            <a:endParaRPr lang="en-US"/>
+            <a:r>
+              <a:rPr lang="en-US" dirty="0" smtClean="0"/>
+              <a:t>Build Automation Tool</a:t>
+            </a:r>
+            <a:endParaRPr lang="en-US" dirty="0"/>
           </a:p>
         </p:txBody>
       </p:sp>
@@ -3010,6 +3021,251 @@
     <p:extLst>
       <p:ext uri="{BB962C8B-B14F-4D97-AF65-F5344CB8AC3E}">
         <p14:creationId xmlns:p14="http://schemas.microsoft.com/office/powerpoint/2010/main" val="767818622"/>
+      </p:ext>
+    </p:extLst>
+  </p:cSld>
+  <p:clrMapOvr>
+    <a:masterClrMapping/>
+  </p:clrMapOvr>
+</p:sld>
+</file>
+
+<file path=ppt/slides/slide2.xml><?xml version="1.0" encoding="utf-8"?>
+<p:sld xmlns:a="http://schemas.openxmlformats.org/drawingml/2006/main" xmlns:r="http://schemas.openxmlformats.org/officeDocument/2006/relationships" xmlns:p="http://schemas.openxmlformats.org/presentationml/2006/main">
+  <p:cSld>
+    <p:spTree>
+      <p:nvGrpSpPr>
+        <p:cNvPr id="1" name=""/>
+        <p:cNvGrpSpPr/>
+        <p:nvPr/>
+      </p:nvGrpSpPr>
+      <p:grpSpPr>
+        <a:xfrm>
+          <a:off x="0" y="0"/>
+          <a:ext cx="0" cy="0"/>
+          <a:chOff x="0" y="0"/>
+          <a:chExt cx="0" cy="0"/>
+        </a:xfrm>
+      </p:grpSpPr>
+      <p:sp>
+        <p:nvSpPr>
+          <p:cNvPr id="2" name="Title 1"/>
+          <p:cNvSpPr>
+            <a:spLocks noGrp="1"/>
+          </p:cNvSpPr>
+          <p:nvPr>
+            <p:ph type="title"/>
+          </p:nvPr>
+        </p:nvSpPr>
+        <p:spPr/>
+        <p:txBody>
+          <a:bodyPr>
+            <a:normAutofit/>
+          </a:bodyPr>
+          <a:lstStyle/>
+          <a:p>
+            <a:r>
+              <a:rPr lang="en-US" sz="5400" b="1" dirty="0" smtClean="0"/>
+              <a:t>History	</a:t>
+            </a:r>
+            <a:endParaRPr lang="en-US" sz="5400" b="1" dirty="0"/>
+          </a:p>
+        </p:txBody>
+      </p:sp>
+      <p:sp>
+        <p:nvSpPr>
+          <p:cNvPr id="3" name="Content Placeholder 2"/>
+          <p:cNvSpPr>
+            <a:spLocks noGrp="1"/>
+          </p:cNvSpPr>
+          <p:nvPr>
+            <p:ph idx="1"/>
+          </p:nvPr>
+        </p:nvSpPr>
+        <p:spPr>
+          <a:xfrm>
+            <a:off x="838200" y="2815526"/>
+            <a:ext cx="10515600" cy="4351338"/>
+          </a:xfrm>
+        </p:spPr>
+        <p:txBody>
+          <a:bodyPr>
+            <a:normAutofit/>
+          </a:bodyPr>
+          <a:lstStyle/>
+          <a:p>
+            <a:r>
+              <a:rPr lang="en-US" b="1" dirty="0" smtClean="0">
+                <a:latin typeface="+mj-lt"/>
+                <a:ea typeface="+mj-ea"/>
+                <a:cs typeface="+mj-cs"/>
+              </a:rPr>
+              <a:t>“Stuart Feldman” created “Make” utility in 1976.</a:t>
+            </a:r>
+          </a:p>
+          <a:p>
+            <a:r>
+              <a:rPr lang="en-US" b="1" dirty="0" smtClean="0">
+                <a:latin typeface="+mj-lt"/>
+                <a:ea typeface="+mj-ea"/>
+                <a:cs typeface="+mj-cs"/>
+              </a:rPr>
+              <a:t>“Make” was widely used those days due to its inclusion in Unix.</a:t>
+            </a:r>
+            <a:endParaRPr lang="en-US" b="1" dirty="0">
+              <a:latin typeface="+mj-lt"/>
+              <a:ea typeface="+mj-ea"/>
+              <a:cs typeface="+mj-cs"/>
+            </a:endParaRPr>
+          </a:p>
+          <a:p>
+            <a:r>
+              <a:rPr lang="en-US" b="1" dirty="0" smtClean="0">
+                <a:latin typeface="+mj-lt"/>
+                <a:ea typeface="+mj-ea"/>
+                <a:cs typeface="+mj-cs"/>
+              </a:rPr>
+              <a:t>“Steve Johnson” (author of YACC) came up with a problem to Feldman, that his executable accidently not being updated with the changes.</a:t>
+            </a:r>
+          </a:p>
+          <a:p>
+            <a:r>
+              <a:rPr lang="en-US" b="1" dirty="0" smtClean="0">
+                <a:latin typeface="+mj-lt"/>
+                <a:ea typeface="+mj-ea"/>
+                <a:cs typeface="+mj-cs"/>
+              </a:rPr>
+              <a:t>This paved was for Feldman and then the birth of “Make</a:t>
+            </a:r>
+            <a:r>
+              <a:rPr lang="en-US" b="1" dirty="0" smtClean="0">
+                <a:latin typeface="+mj-lt"/>
+                <a:ea typeface="+mj-ea"/>
+                <a:cs typeface="+mj-cs"/>
+              </a:rPr>
+              <a:t>”.</a:t>
+            </a:r>
+          </a:p>
+          <a:p>
+            <a:r>
+              <a:rPr lang="en-US" b="1" dirty="0" smtClean="0">
+                <a:latin typeface="+mj-lt"/>
+                <a:ea typeface="+mj-ea"/>
+                <a:cs typeface="+mj-cs"/>
+              </a:rPr>
+              <a:t>“Make” even builds Linux Kernel.</a:t>
+            </a:r>
+            <a:endParaRPr lang="en-US" b="1" dirty="0" smtClean="0">
+              <a:latin typeface="+mj-lt"/>
+              <a:ea typeface="+mj-ea"/>
+              <a:cs typeface="+mj-cs"/>
+            </a:endParaRPr>
+          </a:p>
+          <a:p>
+            <a:endParaRPr lang="en-US" b="1" dirty="0">
+              <a:latin typeface="+mj-lt"/>
+              <a:ea typeface="+mj-ea"/>
+              <a:cs typeface="+mj-cs"/>
+            </a:endParaRPr>
+          </a:p>
+        </p:txBody>
+      </p:sp>
+      <p:pic>
+        <p:nvPicPr>
+          <p:cNvPr id="4" name="Picture 3"/>
+          <p:cNvPicPr>
+            <a:picLocks noChangeAspect="1"/>
+          </p:cNvPicPr>
+          <p:nvPr/>
+        </p:nvPicPr>
+        <p:blipFill>
+          <a:blip r:embed="rId2"/>
+          <a:stretch>
+            <a:fillRect/>
+          </a:stretch>
+        </p:blipFill>
+        <p:spPr>
+          <a:xfrm>
+            <a:off x="9096418" y="298158"/>
+            <a:ext cx="1951883" cy="2092741"/>
+          </a:xfrm>
+          <a:prstGeom prst="rect">
+            <a:avLst/>
+          </a:prstGeom>
+        </p:spPr>
+      </p:pic>
+    </p:spTree>
+    <p:extLst>
+      <p:ext uri="{BB962C8B-B14F-4D97-AF65-F5344CB8AC3E}">
+        <p14:creationId xmlns:p14="http://schemas.microsoft.com/office/powerpoint/2010/main" val="1307481875"/>
+      </p:ext>
+    </p:extLst>
+  </p:cSld>
+  <p:clrMapOvr>
+    <a:masterClrMapping/>
+  </p:clrMapOvr>
+</p:sld>
+</file>
+
+<file path=ppt/slides/slide3.xml><?xml version="1.0" encoding="utf-8"?>
+<p:sld xmlns:a="http://schemas.openxmlformats.org/drawingml/2006/main" xmlns:r="http://schemas.openxmlformats.org/officeDocument/2006/relationships" xmlns:p="http://schemas.openxmlformats.org/presentationml/2006/main">
+  <p:cSld>
+    <p:spTree>
+      <p:nvGrpSpPr>
+        <p:cNvPr id="1" name=""/>
+        <p:cNvGrpSpPr/>
+        <p:nvPr/>
+      </p:nvGrpSpPr>
+      <p:grpSpPr>
+        <a:xfrm>
+          <a:off x="0" y="0"/>
+          <a:ext cx="0" cy="0"/>
+          <a:chOff x="0" y="0"/>
+          <a:chExt cx="0" cy="0"/>
+        </a:xfrm>
+      </p:grpSpPr>
+      <p:sp>
+        <p:nvSpPr>
+          <p:cNvPr id="2" name="Title 1"/>
+          <p:cNvSpPr>
+            <a:spLocks noGrp="1"/>
+          </p:cNvSpPr>
+          <p:nvPr>
+            <p:ph type="title"/>
+          </p:nvPr>
+        </p:nvSpPr>
+        <p:spPr/>
+        <p:txBody>
+          <a:bodyPr/>
+          <a:lstStyle/>
+          <a:p>
+            <a:endParaRPr lang="en-US"/>
+          </a:p>
+        </p:txBody>
+      </p:sp>
+      <p:sp>
+        <p:nvSpPr>
+          <p:cNvPr id="3" name="Content Placeholder 2"/>
+          <p:cNvSpPr>
+            <a:spLocks noGrp="1"/>
+          </p:cNvSpPr>
+          <p:nvPr>
+            <p:ph idx="1"/>
+          </p:nvPr>
+        </p:nvSpPr>
+        <p:spPr/>
+        <p:txBody>
+          <a:bodyPr/>
+          <a:lstStyle/>
+          <a:p>
+            <a:endParaRPr lang="en-US"/>
+          </a:p>
+        </p:txBody>
+      </p:sp>
+    </p:spTree>
+    <p:extLst>
+      <p:ext uri="{BB962C8B-B14F-4D97-AF65-F5344CB8AC3E}">
+        <p14:creationId xmlns:p14="http://schemas.microsoft.com/office/powerpoint/2010/main" val="2145104755"/>
       </p:ext>
     </p:extLst>
   </p:cSld>

--- a/make_build.pptx
+++ b/make_build.pptx
@@ -4,10 +4,16 @@
   <p:sldMasterIdLst>
     <p:sldMasterId id="2147483648" r:id="rId1"/>
   </p:sldMasterIdLst>
+  <p:notesMasterIdLst>
+    <p:notesMasterId r:id="rId8"/>
+  </p:notesMasterIdLst>
   <p:sldIdLst>
     <p:sldId id="256" r:id="rId2"/>
     <p:sldId id="257" r:id="rId3"/>
     <p:sldId id="258" r:id="rId4"/>
+    <p:sldId id="259" r:id="rId5"/>
+    <p:sldId id="260" r:id="rId6"/>
+    <p:sldId id="261" r:id="rId7"/>
   </p:sldIdLst>
   <p:sldSz cx="12192000" cy="6858000"/>
   <p:notesSz cx="6858000" cy="9144000"/>
@@ -114,6 +120,440 @@
 </p:presentation>
 </file>
 
+<file path=ppt/notesMasters/notesMaster1.xml><?xml version="1.0" encoding="utf-8"?>
+<p:notesMaster xmlns:a="http://schemas.openxmlformats.org/drawingml/2006/main" xmlns:r="http://schemas.openxmlformats.org/officeDocument/2006/relationships" xmlns:p="http://schemas.openxmlformats.org/presentationml/2006/main">
+  <p:cSld>
+    <p:bg>
+      <p:bgRef idx="1001">
+        <a:schemeClr val="bg1"/>
+      </p:bgRef>
+    </p:bg>
+    <p:spTree>
+      <p:nvGrpSpPr>
+        <p:cNvPr id="1" name=""/>
+        <p:cNvGrpSpPr/>
+        <p:nvPr/>
+      </p:nvGrpSpPr>
+      <p:grpSpPr>
+        <a:xfrm>
+          <a:off x="0" y="0"/>
+          <a:ext cx="0" cy="0"/>
+          <a:chOff x="0" y="0"/>
+          <a:chExt cx="0" cy="0"/>
+        </a:xfrm>
+      </p:grpSpPr>
+      <p:sp>
+        <p:nvSpPr>
+          <p:cNvPr id="2" name="Header Placeholder 1"/>
+          <p:cNvSpPr>
+            <a:spLocks noGrp="1"/>
+          </p:cNvSpPr>
+          <p:nvPr>
+            <p:ph type="hdr" sz="quarter"/>
+          </p:nvPr>
+        </p:nvSpPr>
+        <p:spPr>
+          <a:xfrm>
+            <a:off x="0" y="0"/>
+            <a:ext cx="2971800" cy="458788"/>
+          </a:xfrm>
+          <a:prstGeom prst="rect">
+            <a:avLst/>
+          </a:prstGeom>
+        </p:spPr>
+        <p:txBody>
+          <a:bodyPr vert="horz" lIns="91440" tIns="45720" rIns="91440" bIns="45720" rtlCol="0"/>
+          <a:lstStyle>
+            <a:lvl1pPr algn="l">
+              <a:defRPr sz="1200"/>
+            </a:lvl1pPr>
+          </a:lstStyle>
+          <a:p>
+            <a:endParaRPr lang="en-US"/>
+          </a:p>
+        </p:txBody>
+      </p:sp>
+      <p:sp>
+        <p:nvSpPr>
+          <p:cNvPr id="3" name="Date Placeholder 2"/>
+          <p:cNvSpPr>
+            <a:spLocks noGrp="1"/>
+          </p:cNvSpPr>
+          <p:nvPr>
+            <p:ph type="dt" idx="1"/>
+          </p:nvPr>
+        </p:nvSpPr>
+        <p:spPr>
+          <a:xfrm>
+            <a:off x="3884613" y="0"/>
+            <a:ext cx="2971800" cy="458788"/>
+          </a:xfrm>
+          <a:prstGeom prst="rect">
+            <a:avLst/>
+          </a:prstGeom>
+        </p:spPr>
+        <p:txBody>
+          <a:bodyPr vert="horz" lIns="91440" tIns="45720" rIns="91440" bIns="45720" rtlCol="0"/>
+          <a:lstStyle>
+            <a:lvl1pPr algn="r">
+              <a:defRPr sz="1200"/>
+            </a:lvl1pPr>
+          </a:lstStyle>
+          <a:p>
+            <a:fld id="{F6CBA14F-8D3B-4D9E-A7AA-B338AB5313BA}" type="datetimeFigureOut">
+              <a:rPr lang="en-US" smtClean="0"/>
+              <a:t>4/4/2020</a:t>
+            </a:fld>
+            <a:endParaRPr lang="en-US"/>
+          </a:p>
+        </p:txBody>
+      </p:sp>
+      <p:sp>
+        <p:nvSpPr>
+          <p:cNvPr id="4" name="Slide Image Placeholder 3"/>
+          <p:cNvSpPr>
+            <a:spLocks noGrp="1" noRot="1" noChangeAspect="1"/>
+          </p:cNvSpPr>
+          <p:nvPr>
+            <p:ph type="sldImg" idx="2"/>
+          </p:nvPr>
+        </p:nvSpPr>
+        <p:spPr>
+          <a:xfrm>
+            <a:off x="685800" y="1143000"/>
+            <a:ext cx="5486400" cy="3086100"/>
+          </a:xfrm>
+          <a:prstGeom prst="rect">
+            <a:avLst/>
+          </a:prstGeom>
+          <a:noFill/>
+          <a:ln w="12700">
+            <a:solidFill>
+              <a:prstClr val="black"/>
+            </a:solidFill>
+          </a:ln>
+        </p:spPr>
+        <p:txBody>
+          <a:bodyPr vert="horz" lIns="91440" tIns="45720" rIns="91440" bIns="45720" rtlCol="0" anchor="ctr"/>
+          <a:lstStyle/>
+          <a:p>
+            <a:endParaRPr lang="en-US"/>
+          </a:p>
+        </p:txBody>
+      </p:sp>
+      <p:sp>
+        <p:nvSpPr>
+          <p:cNvPr id="5" name="Notes Placeholder 4"/>
+          <p:cNvSpPr>
+            <a:spLocks noGrp="1"/>
+          </p:cNvSpPr>
+          <p:nvPr>
+            <p:ph type="body" sz="quarter" idx="3"/>
+          </p:nvPr>
+        </p:nvSpPr>
+        <p:spPr>
+          <a:xfrm>
+            <a:off x="685800" y="4400550"/>
+            <a:ext cx="5486400" cy="3600450"/>
+          </a:xfrm>
+          <a:prstGeom prst="rect">
+            <a:avLst/>
+          </a:prstGeom>
+        </p:spPr>
+        <p:txBody>
+          <a:bodyPr vert="horz" lIns="91440" tIns="45720" rIns="91440" bIns="45720" rtlCol="0"/>
+          <a:lstStyle/>
+          <a:p>
+            <a:pPr lvl="0"/>
+            <a:r>
+              <a:rPr lang="en-US" smtClean="0"/>
+              <a:t>Edit Master text styles</a:t>
+            </a:r>
+          </a:p>
+          <a:p>
+            <a:pPr lvl="1"/>
+            <a:r>
+              <a:rPr lang="en-US" smtClean="0"/>
+              <a:t>Second level</a:t>
+            </a:r>
+          </a:p>
+          <a:p>
+            <a:pPr lvl="2"/>
+            <a:r>
+              <a:rPr lang="en-US" smtClean="0"/>
+              <a:t>Third level</a:t>
+            </a:r>
+          </a:p>
+          <a:p>
+            <a:pPr lvl="3"/>
+            <a:r>
+              <a:rPr lang="en-US" smtClean="0"/>
+              <a:t>Fourth level</a:t>
+            </a:r>
+          </a:p>
+          <a:p>
+            <a:pPr lvl="4"/>
+            <a:r>
+              <a:rPr lang="en-US" smtClean="0"/>
+              <a:t>Fifth level</a:t>
+            </a:r>
+            <a:endParaRPr lang="en-US"/>
+          </a:p>
+        </p:txBody>
+      </p:sp>
+      <p:sp>
+        <p:nvSpPr>
+          <p:cNvPr id="6" name="Footer Placeholder 5"/>
+          <p:cNvSpPr>
+            <a:spLocks noGrp="1"/>
+          </p:cNvSpPr>
+          <p:nvPr>
+            <p:ph type="ftr" sz="quarter" idx="4"/>
+          </p:nvPr>
+        </p:nvSpPr>
+        <p:spPr>
+          <a:xfrm>
+            <a:off x="0" y="8685213"/>
+            <a:ext cx="2971800" cy="458787"/>
+          </a:xfrm>
+          <a:prstGeom prst="rect">
+            <a:avLst/>
+          </a:prstGeom>
+        </p:spPr>
+        <p:txBody>
+          <a:bodyPr vert="horz" lIns="91440" tIns="45720" rIns="91440" bIns="45720" rtlCol="0" anchor="b"/>
+          <a:lstStyle>
+            <a:lvl1pPr algn="l">
+              <a:defRPr sz="1200"/>
+            </a:lvl1pPr>
+          </a:lstStyle>
+          <a:p>
+            <a:endParaRPr lang="en-US"/>
+          </a:p>
+        </p:txBody>
+      </p:sp>
+      <p:sp>
+        <p:nvSpPr>
+          <p:cNvPr id="7" name="Slide Number Placeholder 6"/>
+          <p:cNvSpPr>
+            <a:spLocks noGrp="1"/>
+          </p:cNvSpPr>
+          <p:nvPr>
+            <p:ph type="sldNum" sz="quarter" idx="5"/>
+          </p:nvPr>
+        </p:nvSpPr>
+        <p:spPr>
+          <a:xfrm>
+            <a:off x="3884613" y="8685213"/>
+            <a:ext cx="2971800" cy="458787"/>
+          </a:xfrm>
+          <a:prstGeom prst="rect">
+            <a:avLst/>
+          </a:prstGeom>
+        </p:spPr>
+        <p:txBody>
+          <a:bodyPr vert="horz" lIns="91440" tIns="45720" rIns="91440" bIns="45720" rtlCol="0" anchor="b"/>
+          <a:lstStyle>
+            <a:lvl1pPr algn="r">
+              <a:defRPr sz="1200"/>
+            </a:lvl1pPr>
+          </a:lstStyle>
+          <a:p>
+            <a:fld id="{1C01CD03-ABA4-424E-9EEE-7745EF008028}" type="slidenum">
+              <a:rPr lang="en-US" smtClean="0"/>
+              <a:t>‹#›</a:t>
+            </a:fld>
+            <a:endParaRPr lang="en-US"/>
+          </a:p>
+        </p:txBody>
+      </p:sp>
+    </p:spTree>
+    <p:extLst>
+      <p:ext uri="{BB962C8B-B14F-4D97-AF65-F5344CB8AC3E}">
+        <p14:creationId xmlns:p14="http://schemas.microsoft.com/office/powerpoint/2010/main" val="1384096776"/>
+      </p:ext>
+    </p:extLst>
+  </p:cSld>
+  <p:clrMap bg1="lt1" tx1="dk1" bg2="lt2" tx2="dk2" accent1="accent1" accent2="accent2" accent3="accent3" accent4="accent4" accent5="accent5" accent6="accent6" hlink="hlink" folHlink="folHlink"/>
+  <p:notesStyle>
+    <a:lvl1pPr marL="0" algn="l" defTabSz="914400" rtl="0" eaLnBrk="1" latinLnBrk="0" hangingPunct="1">
+      <a:defRPr sz="1200" kern="1200">
+        <a:solidFill>
+          <a:schemeClr val="tx1"/>
+        </a:solidFill>
+        <a:latin typeface="+mn-lt"/>
+        <a:ea typeface="+mn-ea"/>
+        <a:cs typeface="+mn-cs"/>
+      </a:defRPr>
+    </a:lvl1pPr>
+    <a:lvl2pPr marL="457200" algn="l" defTabSz="914400" rtl="0" eaLnBrk="1" latinLnBrk="0" hangingPunct="1">
+      <a:defRPr sz="1200" kern="1200">
+        <a:solidFill>
+          <a:schemeClr val="tx1"/>
+        </a:solidFill>
+        <a:latin typeface="+mn-lt"/>
+        <a:ea typeface="+mn-ea"/>
+        <a:cs typeface="+mn-cs"/>
+      </a:defRPr>
+    </a:lvl2pPr>
+    <a:lvl3pPr marL="914400" algn="l" defTabSz="914400" rtl="0" eaLnBrk="1" latinLnBrk="0" hangingPunct="1">
+      <a:defRPr sz="1200" kern="1200">
+        <a:solidFill>
+          <a:schemeClr val="tx1"/>
+        </a:solidFill>
+        <a:latin typeface="+mn-lt"/>
+        <a:ea typeface="+mn-ea"/>
+        <a:cs typeface="+mn-cs"/>
+      </a:defRPr>
+    </a:lvl3pPr>
+    <a:lvl4pPr marL="1371600" algn="l" defTabSz="914400" rtl="0" eaLnBrk="1" latinLnBrk="0" hangingPunct="1">
+      <a:defRPr sz="1200" kern="1200">
+        <a:solidFill>
+          <a:schemeClr val="tx1"/>
+        </a:solidFill>
+        <a:latin typeface="+mn-lt"/>
+        <a:ea typeface="+mn-ea"/>
+        <a:cs typeface="+mn-cs"/>
+      </a:defRPr>
+    </a:lvl4pPr>
+    <a:lvl5pPr marL="1828800" algn="l" defTabSz="914400" rtl="0" eaLnBrk="1" latinLnBrk="0" hangingPunct="1">
+      <a:defRPr sz="1200" kern="1200">
+        <a:solidFill>
+          <a:schemeClr val="tx1"/>
+        </a:solidFill>
+        <a:latin typeface="+mn-lt"/>
+        <a:ea typeface="+mn-ea"/>
+        <a:cs typeface="+mn-cs"/>
+      </a:defRPr>
+    </a:lvl5pPr>
+    <a:lvl6pPr marL="2286000" algn="l" defTabSz="914400" rtl="0" eaLnBrk="1" latinLnBrk="0" hangingPunct="1">
+      <a:defRPr sz="1200" kern="1200">
+        <a:solidFill>
+          <a:schemeClr val="tx1"/>
+        </a:solidFill>
+        <a:latin typeface="+mn-lt"/>
+        <a:ea typeface="+mn-ea"/>
+        <a:cs typeface="+mn-cs"/>
+      </a:defRPr>
+    </a:lvl6pPr>
+    <a:lvl7pPr marL="2743200" algn="l" defTabSz="914400" rtl="0" eaLnBrk="1" latinLnBrk="0" hangingPunct="1">
+      <a:defRPr sz="1200" kern="1200">
+        <a:solidFill>
+          <a:schemeClr val="tx1"/>
+        </a:solidFill>
+        <a:latin typeface="+mn-lt"/>
+        <a:ea typeface="+mn-ea"/>
+        <a:cs typeface="+mn-cs"/>
+      </a:defRPr>
+    </a:lvl7pPr>
+    <a:lvl8pPr marL="3200400" algn="l" defTabSz="914400" rtl="0" eaLnBrk="1" latinLnBrk="0" hangingPunct="1">
+      <a:defRPr sz="1200" kern="1200">
+        <a:solidFill>
+          <a:schemeClr val="tx1"/>
+        </a:solidFill>
+        <a:latin typeface="+mn-lt"/>
+        <a:ea typeface="+mn-ea"/>
+        <a:cs typeface="+mn-cs"/>
+      </a:defRPr>
+    </a:lvl8pPr>
+    <a:lvl9pPr marL="3657600" algn="l" defTabSz="914400" rtl="0" eaLnBrk="1" latinLnBrk="0" hangingPunct="1">
+      <a:defRPr sz="1200" kern="1200">
+        <a:solidFill>
+          <a:schemeClr val="tx1"/>
+        </a:solidFill>
+        <a:latin typeface="+mn-lt"/>
+        <a:ea typeface="+mn-ea"/>
+        <a:cs typeface="+mn-cs"/>
+      </a:defRPr>
+    </a:lvl9pPr>
+  </p:notesStyle>
+</p:notesMaster>
+</file>
+
+<file path=ppt/notesSlides/notesSlide1.xml><?xml version="1.0" encoding="utf-8"?>
+<p:notes xmlns:a="http://schemas.openxmlformats.org/drawingml/2006/main" xmlns:r="http://schemas.openxmlformats.org/officeDocument/2006/relationships" xmlns:p="http://schemas.openxmlformats.org/presentationml/2006/main">
+  <p:cSld>
+    <p:spTree>
+      <p:nvGrpSpPr>
+        <p:cNvPr id="1" name=""/>
+        <p:cNvGrpSpPr/>
+        <p:nvPr/>
+      </p:nvGrpSpPr>
+      <p:grpSpPr>
+        <a:xfrm>
+          <a:off x="0" y="0"/>
+          <a:ext cx="0" cy="0"/>
+          <a:chOff x="0" y="0"/>
+          <a:chExt cx="0" cy="0"/>
+        </a:xfrm>
+      </p:grpSpPr>
+      <p:sp>
+        <p:nvSpPr>
+          <p:cNvPr id="2" name="Slide Image Placeholder 1"/>
+          <p:cNvSpPr>
+            <a:spLocks noGrp="1" noRot="1" noChangeAspect="1"/>
+          </p:cNvSpPr>
+          <p:nvPr>
+            <p:ph type="sldImg"/>
+          </p:nvPr>
+        </p:nvSpPr>
+        <p:spPr/>
+      </p:sp>
+      <p:sp>
+        <p:nvSpPr>
+          <p:cNvPr id="3" name="Notes Placeholder 2"/>
+          <p:cNvSpPr>
+            <a:spLocks noGrp="1"/>
+          </p:cNvSpPr>
+          <p:nvPr>
+            <p:ph type="body" idx="1"/>
+          </p:nvPr>
+        </p:nvSpPr>
+        <p:spPr/>
+        <p:txBody>
+          <a:bodyPr/>
+          <a:lstStyle/>
+          <a:p>
+            <a:endParaRPr lang="en-US" dirty="0"/>
+          </a:p>
+        </p:txBody>
+      </p:sp>
+      <p:sp>
+        <p:nvSpPr>
+          <p:cNvPr id="4" name="Slide Number Placeholder 3"/>
+          <p:cNvSpPr>
+            <a:spLocks noGrp="1"/>
+          </p:cNvSpPr>
+          <p:nvPr>
+            <p:ph type="sldNum" sz="quarter" idx="10"/>
+          </p:nvPr>
+        </p:nvSpPr>
+        <p:spPr/>
+        <p:txBody>
+          <a:bodyPr/>
+          <a:lstStyle/>
+          <a:p>
+            <a:fld id="{1C01CD03-ABA4-424E-9EEE-7745EF008028}" type="slidenum">
+              <a:rPr lang="en-US" smtClean="0"/>
+              <a:t>6</a:t>
+            </a:fld>
+            <a:endParaRPr lang="en-US"/>
+          </a:p>
+        </p:txBody>
+      </p:sp>
+    </p:spTree>
+    <p:extLst>
+      <p:ext uri="{BB962C8B-B14F-4D97-AF65-F5344CB8AC3E}">
+        <p14:creationId xmlns:p14="http://schemas.microsoft.com/office/powerpoint/2010/main" val="3196228934"/>
+      </p:ext>
+    </p:extLst>
+  </p:cSld>
+  <p:clrMapOvr>
+    <a:masterClrMapping/>
+  </p:clrMapOvr>
+</p:notes>
+</file>
+
 <file path=ppt/slideLayouts/slideLayout1.xml><?xml version="1.0" encoding="utf-8"?>
 <p:sldLayout xmlns:a="http://schemas.openxmlformats.org/drawingml/2006/main" xmlns:r="http://schemas.openxmlformats.org/officeDocument/2006/relationships" xmlns:p="http://schemas.openxmlformats.org/presentationml/2006/main" type="title" preserve="1">
   <p:cSld name="Title Slide">
@@ -245,7 +685,7 @@
           <a:p>
             <a:fld id="{0C41729E-91D4-4AE7-9595-5C484D371A0E}" type="datetimeFigureOut">
               <a:rPr lang="en-US" smtClean="0"/>
-              <a:t>4/3/2020</a:t>
+              <a:t>4/4/2020</a:t>
             </a:fld>
             <a:endParaRPr lang="en-US"/>
           </a:p>
@@ -415,7 +855,7 @@
           <a:p>
             <a:fld id="{0C41729E-91D4-4AE7-9595-5C484D371A0E}" type="datetimeFigureOut">
               <a:rPr lang="en-US" smtClean="0"/>
-              <a:t>4/3/2020</a:t>
+              <a:t>4/4/2020</a:t>
             </a:fld>
             <a:endParaRPr lang="en-US"/>
           </a:p>
@@ -595,7 +1035,7 @@
           <a:p>
             <a:fld id="{0C41729E-91D4-4AE7-9595-5C484D371A0E}" type="datetimeFigureOut">
               <a:rPr lang="en-US" smtClean="0"/>
-              <a:t>4/3/2020</a:t>
+              <a:t>4/4/2020</a:t>
             </a:fld>
             <a:endParaRPr lang="en-US"/>
           </a:p>
@@ -765,7 +1205,7 @@
           <a:p>
             <a:fld id="{0C41729E-91D4-4AE7-9595-5C484D371A0E}" type="datetimeFigureOut">
               <a:rPr lang="en-US" smtClean="0"/>
-              <a:t>4/3/2020</a:t>
+              <a:t>4/4/2020</a:t>
             </a:fld>
             <a:endParaRPr lang="en-US"/>
           </a:p>
@@ -1011,7 +1451,7 @@
           <a:p>
             <a:fld id="{0C41729E-91D4-4AE7-9595-5C484D371A0E}" type="datetimeFigureOut">
               <a:rPr lang="en-US" smtClean="0"/>
-              <a:t>4/3/2020</a:t>
+              <a:t>4/4/2020</a:t>
             </a:fld>
             <a:endParaRPr lang="en-US"/>
           </a:p>
@@ -1243,7 +1683,7 @@
           <a:p>
             <a:fld id="{0C41729E-91D4-4AE7-9595-5C484D371A0E}" type="datetimeFigureOut">
               <a:rPr lang="en-US" smtClean="0"/>
-              <a:t>4/3/2020</a:t>
+              <a:t>4/4/2020</a:t>
             </a:fld>
             <a:endParaRPr lang="en-US"/>
           </a:p>
@@ -1610,7 +2050,7 @@
           <a:p>
             <a:fld id="{0C41729E-91D4-4AE7-9595-5C484D371A0E}" type="datetimeFigureOut">
               <a:rPr lang="en-US" smtClean="0"/>
-              <a:t>4/3/2020</a:t>
+              <a:t>4/4/2020</a:t>
             </a:fld>
             <a:endParaRPr lang="en-US"/>
           </a:p>
@@ -1728,7 +2168,7 @@
           <a:p>
             <a:fld id="{0C41729E-91D4-4AE7-9595-5C484D371A0E}" type="datetimeFigureOut">
               <a:rPr lang="en-US" smtClean="0"/>
-              <a:t>4/3/2020</a:t>
+              <a:t>4/4/2020</a:t>
             </a:fld>
             <a:endParaRPr lang="en-US"/>
           </a:p>
@@ -1823,7 +2263,7 @@
           <a:p>
             <a:fld id="{0C41729E-91D4-4AE7-9595-5C484D371A0E}" type="datetimeFigureOut">
               <a:rPr lang="en-US" smtClean="0"/>
-              <a:t>4/3/2020</a:t>
+              <a:t>4/4/2020</a:t>
             </a:fld>
             <a:endParaRPr lang="en-US"/>
           </a:p>
@@ -2100,7 +2540,7 @@
           <a:p>
             <a:fld id="{0C41729E-91D4-4AE7-9595-5C484D371A0E}" type="datetimeFigureOut">
               <a:rPr lang="en-US" smtClean="0"/>
-              <a:t>4/3/2020</a:t>
+              <a:t>4/4/2020</a:t>
             </a:fld>
             <a:endParaRPr lang="en-US"/>
           </a:p>
@@ -2353,7 +2793,7 @@
           <a:p>
             <a:fld id="{0C41729E-91D4-4AE7-9595-5C484D371A0E}" type="datetimeFigureOut">
               <a:rPr lang="en-US" smtClean="0"/>
-              <a:t>4/3/2020</a:t>
+              <a:t>4/4/2020</a:t>
             </a:fld>
             <a:endParaRPr lang="en-US"/>
           </a:p>
@@ -2566,7 +3006,7 @@
           <a:p>
             <a:fld id="{0C41729E-91D4-4AE7-9595-5C484D371A0E}" type="datetimeFigureOut">
               <a:rPr lang="en-US" smtClean="0"/>
-              <a:t>4/3/2020</a:t>
+              <a:t>4/4/2020</a:t>
             </a:fld>
             <a:endParaRPr lang="en-US"/>
           </a:p>
@@ -2983,14 +3423,16 @@
         </p:nvSpPr>
         <p:spPr/>
         <p:txBody>
-          <a:bodyPr/>
-          <a:lstStyle/>
-          <a:p>
-            <a:r>
-              <a:rPr lang="en-US" b="1" dirty="0" smtClean="0"/>
+          <a:bodyPr>
+            <a:normAutofit/>
+          </a:bodyPr>
+          <a:lstStyle/>
+          <a:p>
+            <a:r>
+              <a:rPr lang="en-US" sz="7200" b="1" dirty="0" smtClean="0"/>
               <a:t>MAKE</a:t>
             </a:r>
-            <a:endParaRPr lang="en-US" b="1" dirty="0"/>
+            <a:endParaRPr lang="en-US" sz="7200" b="1" dirty="0"/>
           </a:p>
         </p:txBody>
       </p:sp>
@@ -3027,6 +3469,13 @@
   <p:clrMapOvr>
     <a:masterClrMapping/>
   </p:clrMapOvr>
+  <p:timing>
+    <p:tnLst>
+      <p:par>
+        <p:cTn id="1" dur="indefinite" restart="never" nodeType="tmRoot"/>
+      </p:par>
+    </p:tnLst>
+  </p:timing>
 </p:sld>
 </file>
 
@@ -3065,8 +3514,12 @@
           <a:lstStyle/>
           <a:p>
             <a:r>
+              <a:rPr lang="en-US" sz="4000" b="1" dirty="0" smtClean="0"/>
+              <a:t>History</a:t>
+            </a:r>
+            <a:r>
               <a:rPr lang="en-US" sz="5400" b="1" dirty="0" smtClean="0"/>
-              <a:t>History	</a:t>
+              <a:t>	</a:t>
             </a:r>
             <a:endParaRPr lang="en-US" sz="5400" b="1" dirty="0"/>
           </a:p>
@@ -3135,15 +3588,7 @@
                 <a:ea typeface="+mj-ea"/>
                 <a:cs typeface="+mj-cs"/>
               </a:rPr>
-              <a:t>This paved was for Feldman and then the birth of “Make</a:t>
-            </a:r>
-            <a:r>
-              <a:rPr lang="en-US" b="1" dirty="0" smtClean="0">
-                <a:latin typeface="+mj-lt"/>
-                <a:ea typeface="+mj-ea"/>
-                <a:cs typeface="+mj-cs"/>
-              </a:rPr>
-              <a:t>”.</a:t>
+              <a:t>This paved was for Feldman and then the birth of “Make”.</a:t>
             </a:r>
           </a:p>
           <a:p>
@@ -3155,11 +3600,6 @@
               </a:rPr>
               <a:t>“Make” even builds Linux Kernel.</a:t>
             </a:r>
-            <a:endParaRPr lang="en-US" b="1" dirty="0" smtClean="0">
-              <a:latin typeface="+mj-lt"/>
-              <a:ea typeface="+mj-ea"/>
-              <a:cs typeface="+mj-cs"/>
-            </a:endParaRPr>
           </a:p>
           <a:p>
             <a:endParaRPr lang="en-US" b="1" dirty="0">
@@ -3204,6 +3644,13 @@
   <p:clrMapOvr>
     <a:masterClrMapping/>
   </p:clrMapOvr>
+  <p:timing>
+    <p:tnLst>
+      <p:par>
+        <p:cTn id="1" dur="indefinite" restart="never" nodeType="tmRoot"/>
+      </p:par>
+    </p:tnLst>
+  </p:timing>
 </p:sld>
 </file>
 
@@ -3236,10 +3683,16 @@
         </p:nvSpPr>
         <p:spPr/>
         <p:txBody>
-          <a:bodyPr/>
-          <a:lstStyle/>
-          <a:p>
-            <a:endParaRPr lang="en-US"/>
+          <a:bodyPr>
+            <a:normAutofit/>
+          </a:bodyPr>
+          <a:lstStyle/>
+          <a:p>
+            <a:r>
+              <a:rPr lang="en-US" sz="4000" b="1" dirty="0" smtClean="0"/>
+              <a:t>Introduction</a:t>
+            </a:r>
+            <a:endParaRPr lang="en-US" sz="4000" b="1" dirty="0"/>
           </a:p>
         </p:txBody>
       </p:sp>
@@ -3253,12 +3706,90 @@
             <p:ph idx="1"/>
           </p:nvPr>
         </p:nvSpPr>
-        <p:spPr/>
-        <p:txBody>
-          <a:bodyPr/>
-          <a:lstStyle/>
-          <a:p>
-            <a:endParaRPr lang="en-US"/>
+        <p:spPr>
+          <a:xfrm>
+            <a:off x="838200" y="2274945"/>
+            <a:ext cx="10515600" cy="4583055"/>
+          </a:xfrm>
+        </p:spPr>
+        <p:txBody>
+          <a:bodyPr>
+            <a:normAutofit/>
+          </a:bodyPr>
+          <a:lstStyle/>
+          <a:p>
+            <a:r>
+              <a:rPr lang="en-US" dirty="0"/>
+              <a:t>Compiling </a:t>
+            </a:r>
+            <a:r>
+              <a:rPr lang="en-US" dirty="0" smtClean="0"/>
+              <a:t>several C/C</a:t>
+            </a:r>
+            <a:r>
+              <a:rPr lang="en-US" dirty="0"/>
+              <a:t>++ </a:t>
+            </a:r>
+            <a:r>
+              <a:rPr lang="en-US" dirty="0" smtClean="0"/>
+              <a:t>files at once from terminal was difficult earlier.</a:t>
+            </a:r>
+          </a:p>
+          <a:p>
+            <a:r>
+              <a:rPr lang="en-US" dirty="0" smtClean="0"/>
+              <a:t>A tool simply </a:t>
+            </a:r>
+            <a:r>
+              <a:rPr lang="en-US" dirty="0" smtClean="0"/>
+              <a:t>known </a:t>
+            </a:r>
+            <a:r>
+              <a:rPr lang="en-US" dirty="0" smtClean="0"/>
+              <a:t>as “Make” uses a “Makefile” solved the problem.</a:t>
+            </a:r>
+          </a:p>
+          <a:p>
+            <a:r>
+              <a:rPr lang="en-US" dirty="0" smtClean="0"/>
+              <a:t>“Make” automatically </a:t>
+            </a:r>
+            <a:r>
+              <a:rPr lang="en-US" dirty="0"/>
+              <a:t>determines which source files of a program need to be recompiled and/or linked</a:t>
+            </a:r>
+            <a:r>
+              <a:rPr lang="en-US" dirty="0" smtClean="0"/>
+              <a:t>.</a:t>
+            </a:r>
+          </a:p>
+          <a:p>
+            <a:r>
+              <a:rPr lang="en-US" dirty="0" smtClean="0"/>
+              <a:t>Hence it was used as a build automation tool.</a:t>
+            </a:r>
+          </a:p>
+          <a:p>
+            <a:r>
+              <a:rPr lang="en-US" dirty="0" smtClean="0"/>
+              <a:t>Makefile </a:t>
+            </a:r>
+            <a:r>
+              <a:rPr lang="en-US" dirty="0"/>
+              <a:t>is a </a:t>
+            </a:r>
+            <a:r>
+              <a:rPr lang="en-US" dirty="0" smtClean="0"/>
+              <a:t>script which has a set </a:t>
+            </a:r>
+            <a:r>
+              <a:rPr lang="en-US" dirty="0"/>
+              <a:t>of commands with variable names and targets to create object file and also to remove them</a:t>
+            </a:r>
+            <a:r>
+              <a:rPr lang="en-US" dirty="0" smtClean="0"/>
+              <a:t>.</a:t>
+            </a:r>
           </a:p>
         </p:txBody>
       </p:sp>
@@ -3266,6 +3797,551 @@
     <p:extLst>
       <p:ext uri="{BB962C8B-B14F-4D97-AF65-F5344CB8AC3E}">
         <p14:creationId xmlns:p14="http://schemas.microsoft.com/office/powerpoint/2010/main" val="2145104755"/>
+      </p:ext>
+    </p:extLst>
+  </p:cSld>
+  <p:clrMapOvr>
+    <a:masterClrMapping/>
+  </p:clrMapOvr>
+</p:sld>
+</file>
+
+<file path=ppt/slides/slide4.xml><?xml version="1.0" encoding="utf-8"?>
+<p:sld xmlns:a="http://schemas.openxmlformats.org/drawingml/2006/main" xmlns:r="http://schemas.openxmlformats.org/officeDocument/2006/relationships" xmlns:p="http://schemas.openxmlformats.org/presentationml/2006/main">
+  <p:cSld>
+    <p:spTree>
+      <p:nvGrpSpPr>
+        <p:cNvPr id="1" name=""/>
+        <p:cNvGrpSpPr/>
+        <p:nvPr/>
+      </p:nvGrpSpPr>
+      <p:grpSpPr>
+        <a:xfrm>
+          <a:off x="0" y="0"/>
+          <a:ext cx="0" cy="0"/>
+          <a:chOff x="0" y="0"/>
+          <a:chExt cx="0" cy="0"/>
+        </a:xfrm>
+      </p:grpSpPr>
+      <p:sp>
+        <p:nvSpPr>
+          <p:cNvPr id="2" name="Title 1"/>
+          <p:cNvSpPr>
+            <a:spLocks noGrp="1"/>
+          </p:cNvSpPr>
+          <p:nvPr>
+            <p:ph type="title"/>
+          </p:nvPr>
+        </p:nvSpPr>
+        <p:spPr/>
+        <p:txBody>
+          <a:bodyPr>
+            <a:normAutofit/>
+          </a:bodyPr>
+          <a:lstStyle/>
+          <a:p>
+            <a:r>
+              <a:rPr lang="en-US" sz="4000" b="1" dirty="0" smtClean="0"/>
+              <a:t>Make – Saves build time</a:t>
+            </a:r>
+            <a:endParaRPr lang="en-US" sz="4000" b="1" dirty="0"/>
+          </a:p>
+        </p:txBody>
+      </p:sp>
+      <p:sp>
+        <p:nvSpPr>
+          <p:cNvPr id="3" name="Content Placeholder 2"/>
+          <p:cNvSpPr>
+            <a:spLocks noGrp="1"/>
+          </p:cNvSpPr>
+          <p:nvPr>
+            <p:ph idx="1"/>
+          </p:nvPr>
+        </p:nvSpPr>
+        <p:spPr/>
+        <p:txBody>
+          <a:bodyPr>
+            <a:normAutofit/>
+          </a:bodyPr>
+          <a:lstStyle/>
+          <a:p>
+            <a:r>
+              <a:rPr lang="en-US" dirty="0"/>
+              <a:t>The make utility keeps track of the last time files were updated so that it only updates the files containing changes.</a:t>
+            </a:r>
+          </a:p>
+          <a:p>
+            <a:r>
+              <a:rPr lang="en-US" dirty="0" smtClean="0"/>
+              <a:t>Make will skip the re-compilation of already compiled code.</a:t>
+            </a:r>
+          </a:p>
+          <a:p>
+            <a:r>
+              <a:rPr lang="en-US" dirty="0" smtClean="0"/>
+              <a:t>Hence reducing the time of build process.</a:t>
+            </a:r>
+          </a:p>
+          <a:p>
+            <a:r>
+              <a:rPr lang="en-US" dirty="0" smtClean="0"/>
+              <a:t>Can pick the source code from multiple directories.</a:t>
+            </a:r>
+          </a:p>
+          <a:p>
+            <a:r>
+              <a:rPr lang="en-US" dirty="0" smtClean="0"/>
+              <a:t>Can build different versions of programs for different platforms.</a:t>
+            </a:r>
+          </a:p>
+          <a:p>
+            <a:r>
+              <a:rPr lang="en-US" dirty="0" smtClean="0"/>
+              <a:t>During build “Make” utility looks for a file name “Makefile” in the Project’s home path.</a:t>
+            </a:r>
+          </a:p>
+          <a:p>
+            <a:r>
+              <a:rPr lang="en-US" dirty="0" smtClean="0"/>
+              <a:t>In case of several </a:t>
+            </a:r>
+            <a:r>
+              <a:rPr lang="en-US" dirty="0" err="1" smtClean="0"/>
+              <a:t>Makefile’s</a:t>
+            </a:r>
+            <a:r>
+              <a:rPr lang="en-US" dirty="0" smtClean="0"/>
+              <a:t>, use command $ make –f Makefile.</a:t>
+            </a:r>
+          </a:p>
+          <a:p>
+            <a:endParaRPr lang="en-US" dirty="0" smtClean="0"/>
+          </a:p>
+          <a:p>
+            <a:endParaRPr lang="en-US" dirty="0" smtClean="0"/>
+          </a:p>
+          <a:p>
+            <a:endParaRPr lang="en-US" dirty="0"/>
+          </a:p>
+        </p:txBody>
+      </p:sp>
+    </p:spTree>
+    <p:extLst>
+      <p:ext uri="{BB962C8B-B14F-4D97-AF65-F5344CB8AC3E}">
+        <p14:creationId xmlns:p14="http://schemas.microsoft.com/office/powerpoint/2010/main" val="200196461"/>
+      </p:ext>
+    </p:extLst>
+  </p:cSld>
+  <p:clrMapOvr>
+    <a:masterClrMapping/>
+  </p:clrMapOvr>
+</p:sld>
+</file>
+
+<file path=ppt/slides/slide5.xml><?xml version="1.0" encoding="utf-8"?>
+<p:sld xmlns:a="http://schemas.openxmlformats.org/drawingml/2006/main" xmlns:r="http://schemas.openxmlformats.org/officeDocument/2006/relationships" xmlns:p="http://schemas.openxmlformats.org/presentationml/2006/main">
+  <p:cSld>
+    <p:spTree>
+      <p:nvGrpSpPr>
+        <p:cNvPr id="1" name=""/>
+        <p:cNvGrpSpPr/>
+        <p:nvPr/>
+      </p:nvGrpSpPr>
+      <p:grpSpPr>
+        <a:xfrm>
+          <a:off x="0" y="0"/>
+          <a:ext cx="0" cy="0"/>
+          <a:chOff x="0" y="0"/>
+          <a:chExt cx="0" cy="0"/>
+        </a:xfrm>
+      </p:grpSpPr>
+      <p:sp>
+        <p:nvSpPr>
+          <p:cNvPr id="2" name="Title 1"/>
+          <p:cNvSpPr>
+            <a:spLocks noGrp="1"/>
+          </p:cNvSpPr>
+          <p:nvPr>
+            <p:ph type="title"/>
+          </p:nvPr>
+        </p:nvSpPr>
+        <p:spPr/>
+        <p:txBody>
+          <a:bodyPr/>
+          <a:lstStyle/>
+          <a:p>
+            <a:r>
+              <a:rPr lang="en-US" sz="4000" b="1" dirty="0" smtClean="0"/>
+              <a:t>Makefile - Rule</a:t>
+            </a:r>
+            <a:endParaRPr lang="en-US" b="1" dirty="0"/>
+          </a:p>
+        </p:txBody>
+      </p:sp>
+      <p:sp>
+        <p:nvSpPr>
+          <p:cNvPr id="3" name="Content Placeholder 2"/>
+          <p:cNvSpPr>
+            <a:spLocks noGrp="1"/>
+          </p:cNvSpPr>
+          <p:nvPr>
+            <p:ph idx="1"/>
+          </p:nvPr>
+        </p:nvSpPr>
+        <p:spPr>
+          <a:xfrm>
+            <a:off x="687198" y="1875959"/>
+            <a:ext cx="10515600" cy="4351338"/>
+          </a:xfrm>
+        </p:spPr>
+        <p:txBody>
+          <a:bodyPr>
+            <a:normAutofit lnSpcReduction="10000"/>
+          </a:bodyPr>
+          <a:lstStyle/>
+          <a:p>
+            <a:r>
+              <a:rPr lang="en-US" dirty="0" smtClean="0"/>
+              <a:t>Syntax :</a:t>
+            </a:r>
+          </a:p>
+          <a:p>
+            <a:endParaRPr lang="en-US" dirty="0" smtClean="0"/>
+          </a:p>
+          <a:p>
+            <a:endParaRPr lang="en-US" dirty="0"/>
+          </a:p>
+          <a:p>
+            <a:endParaRPr lang="en-US" dirty="0" smtClean="0"/>
+          </a:p>
+          <a:p>
+            <a:endParaRPr lang="en-US" dirty="0"/>
+          </a:p>
+          <a:p>
+            <a:r>
+              <a:rPr lang="en-US" dirty="0" smtClean="0"/>
+              <a:t>Example</a:t>
+            </a:r>
+            <a:r>
+              <a:rPr lang="en-US" dirty="0"/>
+              <a:t>: </a:t>
+            </a:r>
+            <a:endParaRPr lang="en-US" dirty="0" smtClean="0"/>
+          </a:p>
+          <a:p>
+            <a:pPr marL="0" indent="0">
+              <a:buNone/>
+            </a:pPr>
+            <a:endParaRPr lang="en-US" dirty="0" smtClean="0"/>
+          </a:p>
+          <a:p>
+            <a:pPr marL="0" indent="0">
+              <a:buNone/>
+            </a:pPr>
+            <a:r>
+              <a:rPr lang="en-US" b="1" dirty="0" smtClean="0"/>
+              <a:t>hello</a:t>
+            </a:r>
+            <a:r>
+              <a:rPr lang="en-US" b="1" dirty="0"/>
+              <a:t>: </a:t>
+            </a:r>
+            <a:r>
+              <a:rPr lang="en-US" b="1" dirty="0" err="1"/>
+              <a:t>hello.c</a:t>
+            </a:r>
+            <a:r>
+              <a:rPr lang="en-US" dirty="0"/>
+              <a:t/>
+            </a:r>
+            <a:br>
+              <a:rPr lang="en-US" dirty="0"/>
+            </a:br>
+            <a:r>
+              <a:rPr lang="en-US" b="1" dirty="0"/>
+              <a:t>    </a:t>
+            </a:r>
+            <a:r>
+              <a:rPr lang="en-US" b="1" i="1" dirty="0"/>
+              <a:t>${CC}</a:t>
+            </a:r>
+            <a:r>
+              <a:rPr lang="en-US" b="1" dirty="0"/>
+              <a:t> </a:t>
+            </a:r>
+            <a:r>
+              <a:rPr lang="en-US" b="1" dirty="0" err="1"/>
+              <a:t>hello.c</a:t>
+            </a:r>
+            <a:r>
+              <a:rPr lang="en-US" b="1" dirty="0"/>
+              <a:t> -o hello</a:t>
+            </a:r>
+            <a:endParaRPr lang="en-US" dirty="0"/>
+          </a:p>
+          <a:p>
+            <a:endParaRPr lang="en-US" dirty="0" smtClean="0"/>
+          </a:p>
+          <a:p>
+            <a:pPr marL="457200" lvl="1" indent="0">
+              <a:buNone/>
+            </a:pPr>
+            <a:endParaRPr lang="en-US" dirty="0"/>
+          </a:p>
+          <a:p>
+            <a:pPr marL="457200" lvl="1" indent="0">
+              <a:buNone/>
+            </a:pPr>
+            <a:endParaRPr lang="en-US" dirty="0" smtClean="0"/>
+          </a:p>
+          <a:p>
+            <a:pPr marL="457200" lvl="1" indent="0">
+              <a:buNone/>
+            </a:pPr>
+            <a:endParaRPr lang="en-US" dirty="0"/>
+          </a:p>
+          <a:p>
+            <a:pPr marL="457200" lvl="1" indent="0">
+              <a:buNone/>
+            </a:pPr>
+            <a:endParaRPr lang="en-US" dirty="0" smtClean="0"/>
+          </a:p>
+          <a:p>
+            <a:pPr marL="457200" lvl="1" indent="0">
+              <a:buNone/>
+            </a:pPr>
+            <a:endParaRPr lang="en-US" dirty="0"/>
+          </a:p>
+          <a:p>
+            <a:pPr marL="457200" lvl="1" indent="0">
+              <a:buNone/>
+            </a:pPr>
+            <a:endParaRPr lang="en-US" dirty="0"/>
+          </a:p>
+          <a:p>
+            <a:pPr marL="457200" lvl="1" indent="0">
+              <a:buNone/>
+            </a:pPr>
+            <a:endParaRPr lang="en-US" dirty="0"/>
+          </a:p>
+        </p:txBody>
+      </p:sp>
+      <p:pic>
+        <p:nvPicPr>
+          <p:cNvPr id="5" name="Picture 4"/>
+          <p:cNvPicPr>
+            <a:picLocks noChangeAspect="1"/>
+          </p:cNvPicPr>
+          <p:nvPr/>
+        </p:nvPicPr>
+        <p:blipFill>
+          <a:blip r:embed="rId2"/>
+          <a:stretch>
+            <a:fillRect/>
+          </a:stretch>
+        </p:blipFill>
+        <p:spPr>
+          <a:xfrm>
+            <a:off x="2803801" y="1937078"/>
+            <a:ext cx="4352925" cy="2114550"/>
+          </a:xfrm>
+          <a:prstGeom prst="rect">
+            <a:avLst/>
+          </a:prstGeom>
+        </p:spPr>
+      </p:pic>
+    </p:spTree>
+    <p:extLst>
+      <p:ext uri="{BB962C8B-B14F-4D97-AF65-F5344CB8AC3E}">
+        <p14:creationId xmlns:p14="http://schemas.microsoft.com/office/powerpoint/2010/main" val="1891417136"/>
+      </p:ext>
+    </p:extLst>
+  </p:cSld>
+  <p:clrMapOvr>
+    <a:masterClrMapping/>
+  </p:clrMapOvr>
+</p:sld>
+</file>
+
+<file path=ppt/slides/slide6.xml><?xml version="1.0" encoding="utf-8"?>
+<p:sld xmlns:a="http://schemas.openxmlformats.org/drawingml/2006/main" xmlns:r="http://schemas.openxmlformats.org/officeDocument/2006/relationships" xmlns:p="http://schemas.openxmlformats.org/presentationml/2006/main">
+  <p:cSld>
+    <p:spTree>
+      <p:nvGrpSpPr>
+        <p:cNvPr id="1" name=""/>
+        <p:cNvGrpSpPr/>
+        <p:nvPr/>
+      </p:nvGrpSpPr>
+      <p:grpSpPr>
+        <a:xfrm>
+          <a:off x="0" y="0"/>
+          <a:ext cx="0" cy="0"/>
+          <a:chOff x="0" y="0"/>
+          <a:chExt cx="0" cy="0"/>
+        </a:xfrm>
+      </p:grpSpPr>
+      <p:sp>
+        <p:nvSpPr>
+          <p:cNvPr id="2" name="Title 1"/>
+          <p:cNvSpPr>
+            <a:spLocks noGrp="1"/>
+          </p:cNvSpPr>
+          <p:nvPr>
+            <p:ph type="title"/>
+          </p:nvPr>
+        </p:nvSpPr>
+        <p:spPr/>
+        <p:txBody>
+          <a:bodyPr>
+            <a:normAutofit/>
+          </a:bodyPr>
+          <a:lstStyle/>
+          <a:p>
+            <a:r>
+              <a:rPr lang="en-US" sz="4000" b="1" dirty="0" smtClean="0"/>
+              <a:t>Sample Makefile</a:t>
+            </a:r>
+            <a:endParaRPr lang="en-US" sz="4000" b="1" dirty="0"/>
+          </a:p>
+        </p:txBody>
+      </p:sp>
+      <p:sp>
+        <p:nvSpPr>
+          <p:cNvPr id="3" name="Content Placeholder 2"/>
+          <p:cNvSpPr>
+            <a:spLocks noGrp="1"/>
+          </p:cNvSpPr>
+          <p:nvPr>
+            <p:ph idx="1"/>
+          </p:nvPr>
+        </p:nvSpPr>
+        <p:spPr/>
+        <p:txBody>
+          <a:bodyPr/>
+          <a:lstStyle/>
+          <a:p>
+            <a:pPr marL="0" indent="0">
+              <a:buNone/>
+            </a:pPr>
+            <a:r>
+              <a:rPr lang="en-US" dirty="0"/>
+              <a:t>all:</a:t>
+            </a:r>
+          </a:p>
+          <a:p>
+            <a:pPr marL="0" indent="0">
+              <a:buNone/>
+            </a:pPr>
+            <a:r>
+              <a:rPr lang="en-US" dirty="0"/>
+              <a:t>    echo "Use 'build' to compile, and 'clean' to remove the run file."</a:t>
+            </a:r>
+          </a:p>
+          <a:p>
+            <a:pPr marL="0" indent="0">
+              <a:buNone/>
+            </a:pPr>
+            <a:r>
+              <a:rPr lang="en-US" dirty="0"/>
+              <a:t>build:</a:t>
+            </a:r>
+          </a:p>
+          <a:p>
+            <a:pPr marL="0" indent="0">
+              <a:buNone/>
+            </a:pPr>
+            <a:r>
+              <a:rPr lang="en-US" dirty="0"/>
+              <a:t>    g++ main.cpp helper.cpp -o run</a:t>
+            </a:r>
+          </a:p>
+          <a:p>
+            <a:pPr marL="0" indent="0">
+              <a:buNone/>
+            </a:pPr>
+            <a:r>
+              <a:rPr lang="en-US" dirty="0" err="1"/>
+              <a:t>doit</a:t>
+            </a:r>
+            <a:r>
+              <a:rPr lang="en-US" dirty="0"/>
+              <a:t>:</a:t>
+            </a:r>
+          </a:p>
+          <a:p>
+            <a:pPr marL="0" indent="0">
+              <a:buNone/>
+            </a:pPr>
+            <a:r>
+              <a:rPr lang="en-US" dirty="0"/>
+              <a:t>    ./run</a:t>
+            </a:r>
+          </a:p>
+          <a:p>
+            <a:pPr marL="0" indent="0">
+              <a:buNone/>
+            </a:pPr>
+            <a:r>
+              <a:rPr lang="en-US" dirty="0"/>
+              <a:t>clean:</a:t>
+            </a:r>
+          </a:p>
+          <a:p>
+            <a:pPr marL="0" indent="0">
+              <a:buNone/>
+            </a:pPr>
+            <a:r>
+              <a:rPr lang="en-US" dirty="0"/>
+              <a:t>    </a:t>
+            </a:r>
+            <a:r>
+              <a:rPr lang="en-US" dirty="0" err="1"/>
+              <a:t>rm</a:t>
+            </a:r>
+            <a:r>
+              <a:rPr lang="en-US" dirty="0"/>
+              <a:t> run</a:t>
+            </a:r>
+          </a:p>
+        </p:txBody>
+      </p:sp>
+      <p:sp>
+        <p:nvSpPr>
+          <p:cNvPr id="8" name="Footer Placeholder 7"/>
+          <p:cNvSpPr>
+            <a:spLocks noGrp="1"/>
+          </p:cNvSpPr>
+          <p:nvPr>
+            <p:ph type="ftr" sz="quarter" idx="11"/>
+          </p:nvPr>
+        </p:nvSpPr>
+        <p:spPr>
+          <a:xfrm>
+            <a:off x="3725334" y="6311900"/>
+            <a:ext cx="4114800" cy="365125"/>
+          </a:xfrm>
+        </p:spPr>
+        <p:txBody>
+          <a:bodyPr/>
+          <a:lstStyle/>
+          <a:p>
+            <a:r>
+              <a:rPr lang="en-US" dirty="0">
+                <a:hlinkClick r:id="rId3"/>
+              </a:rPr>
+              <a:t>https://www.srcmake.com/home/make</a:t>
+            </a:r>
+            <a:endParaRPr lang="en-US" dirty="0"/>
+          </a:p>
+          <a:p>
+            <a:endParaRPr lang="en-US" dirty="0"/>
+          </a:p>
+        </p:txBody>
+      </p:sp>
+    </p:spTree>
+    <p:extLst>
+      <p:ext uri="{BB962C8B-B14F-4D97-AF65-F5344CB8AC3E}">
+        <p14:creationId xmlns:p14="http://schemas.microsoft.com/office/powerpoint/2010/main" val="3084115943"/>
       </p:ext>
     </p:extLst>
   </p:cSld>
@@ -3534,4 +4610,265 @@
     </a:ext>
   </a:extLst>
 </a:theme>
+</file>
+
+<file path=ppt/theme/theme2.xml><?xml version="1.0" encoding="utf-8"?>
+<a:theme xmlns:a="http://schemas.openxmlformats.org/drawingml/2006/main" name="Office Theme">
+  <a:themeElements>
+    <a:clrScheme name="Office">
+      <a:dk1>
+        <a:sysClr val="windowText" lastClr="000000"/>
+      </a:dk1>
+      <a:lt1>
+        <a:sysClr val="window" lastClr="FFFFFF"/>
+      </a:lt1>
+      <a:dk2>
+        <a:srgbClr val="44546A"/>
+      </a:dk2>
+      <a:lt2>
+        <a:srgbClr val="E7E6E6"/>
+      </a:lt2>
+      <a:accent1>
+        <a:srgbClr val="5B9BD5"/>
+      </a:accent1>
+      <a:accent2>
+        <a:srgbClr val="ED7D31"/>
+      </a:accent2>
+      <a:accent3>
+        <a:srgbClr val="A5A5A5"/>
+      </a:accent3>
+      <a:accent4>
+        <a:srgbClr val="FFC000"/>
+      </a:accent4>
+      <a:accent5>
+        <a:srgbClr val="4472C4"/>
+      </a:accent5>
+      <a:accent6>
+        <a:srgbClr val="70AD47"/>
+      </a:accent6>
+      <a:hlink>
+        <a:srgbClr val="0563C1"/>
+      </a:hlink>
+      <a:folHlink>
+        <a:srgbClr val="954F72"/>
+      </a:folHlink>
+    </a:clrScheme>
+    <a:fontScheme name="Office">
+      <a:majorFont>
+        <a:latin typeface="Calibri Light" panose="020F0302020204030204"/>
+        <a:ea typeface=""/>
+        <a:cs typeface=""/>
+        <a:font script="Jpan" typeface="游ゴシック Light"/>
+        <a:font script="Hang" typeface="맑은 고딕"/>
+        <a:font script="Hans" typeface="等线 Light"/>
+        <a:font script="Hant" typeface="新細明體"/>
+        <a:font script="Arab" typeface="Times New Roman"/>
+        <a:font script="Hebr" typeface="Times New Roman"/>
+        <a:font script="Thai" typeface="Angsana New"/>
+        <a:font script="Ethi" typeface="Nyala"/>
+        <a:font script="Beng" typeface="Vrinda"/>
+        <a:font script="Gujr" typeface="Shruti"/>
+        <a:font script="Khmr" typeface="MoolBoran"/>
+        <a:font script="Knda" typeface="Tunga"/>
+        <a:font script="Guru" typeface="Raavi"/>
+        <a:font script="Cans" typeface="Euphemia"/>
+        <a:font script="Cher" typeface="Plantagenet Cherokee"/>
+        <a:font script="Yiii" typeface="Microsoft Yi Baiti"/>
+        <a:font script="Tibt" typeface="Microsoft Himalaya"/>
+        <a:font script="Thaa" typeface="MV Boli"/>
+        <a:font script="Deva" typeface="Mangal"/>
+        <a:font script="Telu" typeface="Gautami"/>
+        <a:font script="Taml" typeface="Latha"/>
+        <a:font script="Syrc" typeface="Estrangelo Edessa"/>
+        <a:font script="Orya" typeface="Kalinga"/>
+        <a:font script="Mlym" typeface="Kartika"/>
+        <a:font script="Laoo" typeface="DokChampa"/>
+        <a:font script="Sinh" typeface="Iskoola Pota"/>
+        <a:font script="Mong" typeface="Mongolian Baiti"/>
+        <a:font script="Viet" typeface="Times New Roman"/>
+        <a:font script="Uigh" typeface="Microsoft Uighur"/>
+        <a:font script="Geor" typeface="Sylfaen"/>
+      </a:majorFont>
+      <a:minorFont>
+        <a:latin typeface="Calibri" panose="020F0502020204030204"/>
+        <a:ea typeface=""/>
+        <a:cs typeface=""/>
+        <a:font script="Jpan" typeface="游ゴシック"/>
+        <a:font script="Hang" typeface="맑은 고딕"/>
+        <a:font script="Hans" typeface="等线"/>
+        <a:font script="Hant" typeface="新細明體"/>
+        <a:font script="Arab" typeface="Arial"/>
+        <a:font script="Hebr" typeface="Arial"/>
+        <a:font script="Thai" typeface="Cordia New"/>
+        <a:font script="Ethi" typeface="Nyala"/>
+        <a:font script="Beng" typeface="Vrinda"/>
+        <a:font script="Gujr" typeface="Shruti"/>
+        <a:font script="Khmr" typeface="DaunPenh"/>
+        <a:font script="Knda" typeface="Tunga"/>
+        <a:font script="Guru" typeface="Raavi"/>
+        <a:font script="Cans" typeface="Euphemia"/>
+        <a:font script="Cher" typeface="Plantagenet Cherokee"/>
+        <a:font script="Yiii" typeface="Microsoft Yi Baiti"/>
+        <a:font script="Tibt" typeface="Microsoft Himalaya"/>
+        <a:font script="Thaa" typeface="MV Boli"/>
+        <a:font script="Deva" typeface="Mangal"/>
+        <a:font script="Telu" typeface="Gautami"/>
+        <a:font script="Taml" typeface="Latha"/>
+        <a:font script="Syrc" typeface="Estrangelo Edessa"/>
+        <a:font script="Orya" typeface="Kalinga"/>
+        <a:font script="Mlym" typeface="Kartika"/>
+        <a:font script="Laoo" typeface="DokChampa"/>
+        <a:font script="Sinh" typeface="Iskoola Pota"/>
+        <a:font script="Mong" typeface="Mongolian Baiti"/>
+        <a:font script="Viet" typeface="Arial"/>
+        <a:font script="Uigh" typeface="Microsoft Uighur"/>
+        <a:font script="Geor" typeface="Sylfaen"/>
+      </a:minorFont>
+    </a:fontScheme>
+    <a:fmtScheme name="Office">
+      <a:fillStyleLst>
+        <a:solidFill>
+          <a:schemeClr val="phClr"/>
+        </a:solidFill>
+        <a:gradFill rotWithShape="1">
+          <a:gsLst>
+            <a:gs pos="0">
+              <a:schemeClr val="phClr">
+                <a:lumMod val="110000"/>
+                <a:satMod val="105000"/>
+                <a:tint val="67000"/>
+              </a:schemeClr>
+            </a:gs>
+            <a:gs pos="50000">
+              <a:schemeClr val="phClr">
+                <a:lumMod val="105000"/>
+                <a:satMod val="103000"/>
+                <a:tint val="73000"/>
+              </a:schemeClr>
+            </a:gs>
+            <a:gs pos="100000">
+              <a:schemeClr val="phClr">
+                <a:lumMod val="105000"/>
+                <a:satMod val="109000"/>
+                <a:tint val="81000"/>
+              </a:schemeClr>
+            </a:gs>
+          </a:gsLst>
+          <a:lin ang="5400000" scaled="0"/>
+        </a:gradFill>
+        <a:gradFill rotWithShape="1">
+          <a:gsLst>
+            <a:gs pos="0">
+              <a:schemeClr val="phClr">
+                <a:satMod val="103000"/>
+                <a:lumMod val="102000"/>
+                <a:tint val="94000"/>
+              </a:schemeClr>
+            </a:gs>
+            <a:gs pos="50000">
+              <a:schemeClr val="phClr">
+                <a:satMod val="110000"/>
+                <a:lumMod val="100000"/>
+                <a:shade val="100000"/>
+              </a:schemeClr>
+            </a:gs>
+            <a:gs pos="100000">
+              <a:schemeClr val="phClr">
+                <a:lumMod val="99000"/>
+                <a:satMod val="120000"/>
+                <a:shade val="78000"/>
+              </a:schemeClr>
+            </a:gs>
+          </a:gsLst>
+          <a:lin ang="5400000" scaled="0"/>
+        </a:gradFill>
+      </a:fillStyleLst>
+      <a:lnStyleLst>
+        <a:ln w="6350" cap="flat" cmpd="sng" algn="ctr">
+          <a:solidFill>
+            <a:schemeClr val="phClr"/>
+          </a:solidFill>
+          <a:prstDash val="solid"/>
+          <a:miter lim="800000"/>
+        </a:ln>
+        <a:ln w="12700" cap="flat" cmpd="sng" algn="ctr">
+          <a:solidFill>
+            <a:schemeClr val="phClr"/>
+          </a:solidFill>
+          <a:prstDash val="solid"/>
+          <a:miter lim="800000"/>
+        </a:ln>
+        <a:ln w="19050" cap="flat" cmpd="sng" algn="ctr">
+          <a:solidFill>
+            <a:schemeClr val="phClr"/>
+          </a:solidFill>
+          <a:prstDash val="solid"/>
+          <a:miter lim="800000"/>
+        </a:ln>
+      </a:lnStyleLst>
+      <a:effectStyleLst>
+        <a:effectStyle>
+          <a:effectLst/>
+        </a:effectStyle>
+        <a:effectStyle>
+          <a:effectLst/>
+        </a:effectStyle>
+        <a:effectStyle>
+          <a:effectLst>
+            <a:outerShdw blurRad="57150" dist="19050" dir="5400000" algn="ctr" rotWithShape="0">
+              <a:srgbClr val="000000">
+                <a:alpha val="63000"/>
+              </a:srgbClr>
+            </a:outerShdw>
+          </a:effectLst>
+        </a:effectStyle>
+      </a:effectStyleLst>
+      <a:bgFillStyleLst>
+        <a:solidFill>
+          <a:schemeClr val="phClr"/>
+        </a:solidFill>
+        <a:solidFill>
+          <a:schemeClr val="phClr">
+            <a:tint val="95000"/>
+            <a:satMod val="170000"/>
+          </a:schemeClr>
+        </a:solidFill>
+        <a:gradFill rotWithShape="1">
+          <a:gsLst>
+            <a:gs pos="0">
+              <a:schemeClr val="phClr">
+                <a:tint val="93000"/>
+                <a:satMod val="150000"/>
+                <a:shade val="98000"/>
+                <a:lumMod val="102000"/>
+              </a:schemeClr>
+            </a:gs>
+            <a:gs pos="50000">
+              <a:schemeClr val="phClr">
+                <a:tint val="98000"/>
+                <a:satMod val="130000"/>
+                <a:shade val="90000"/>
+                <a:lumMod val="103000"/>
+              </a:schemeClr>
+            </a:gs>
+            <a:gs pos="100000">
+              <a:schemeClr val="phClr">
+                <a:shade val="63000"/>
+                <a:satMod val="120000"/>
+              </a:schemeClr>
+            </a:gs>
+          </a:gsLst>
+          <a:lin ang="5400000" scaled="0"/>
+        </a:gradFill>
+      </a:bgFillStyleLst>
+    </a:fmtScheme>
+  </a:themeElements>
+  <a:objectDefaults/>
+  <a:extraClrSchemeLst/>
+  <a:extLst>
+    <a:ext uri="{05A4C25C-085E-4340-85A3-A5531E510DB2}">
+      <thm15:themeFamily xmlns:thm15="http://schemas.microsoft.com/office/thememl/2012/main" name="Office Theme" id="{62F939B6-93AF-4DB8-9C6B-D6C7DFDC589F}" vid="{4A3C46E8-61CC-4603-A589-7422A47A8E4A}"/>
+    </a:ext>
+  </a:extLst>
+</a:theme>
 </file>